--- a/STI-Projet2.pptx
+++ b/STI-Projet2.pptx
@@ -8,8 +8,9 @@
     <p:sldId id="256" r:id="rId2"/>
     <p:sldId id="257" r:id="rId3"/>
     <p:sldId id="259" r:id="rId4"/>
-    <p:sldId id="260" r:id="rId5"/>
-    <p:sldId id="261" r:id="rId6"/>
+    <p:sldId id="262" r:id="rId5"/>
+    <p:sldId id="260" r:id="rId6"/>
+    <p:sldId id="261" r:id="rId7"/>
   </p:sldIdLst>
   <p:sldSz cx="12192000" cy="6858000"/>
   <p:notesSz cx="6858000" cy="9144000"/>
@@ -6057,6 +6058,381 @@
           <p:cNvPr id="2" name="Titre 1">
             <a:extLst>
               <a:ext uri="{FF2B5EF4-FFF2-40B4-BE49-F238E27FC236}">
+                <a16:creationId xmlns:a16="http://schemas.microsoft.com/office/drawing/2014/main" id="{B06B9E61-987E-4B20-B78F-9F7124A7F80A}"/>
+              </a:ext>
+            </a:extLst>
+          </p:cNvPr>
+          <p:cNvSpPr>
+            <a:spLocks noGrp="1"/>
+          </p:cNvSpPr>
+          <p:nvPr>
+            <p:ph type="title"/>
+          </p:nvPr>
+        </p:nvSpPr>
+        <p:spPr/>
+        <p:txBody>
+          <a:bodyPr>
+            <a:normAutofit/>
+          </a:bodyPr>
+          <a:lstStyle/>
+          <a:p>
+            <a:r>
+              <a:rPr lang="fr-CH" dirty="0"/>
+              <a:t>Types d’attaques et menaces</a:t>
+            </a:r>
+          </a:p>
+        </p:txBody>
+      </p:sp>
+      <p:sp>
+        <p:nvSpPr>
+          <p:cNvPr id="3" name="Espace réservé du contenu 2">
+            <a:extLst>
+              <a:ext uri="{FF2B5EF4-FFF2-40B4-BE49-F238E27FC236}">
+                <a16:creationId xmlns:a16="http://schemas.microsoft.com/office/drawing/2014/main" id="{23130E8D-0C5F-4ABE-9A57-6729B4BEE91E}"/>
+              </a:ext>
+            </a:extLst>
+          </p:cNvPr>
+          <p:cNvSpPr txBox="1">
+            <a:spLocks/>
+          </p:cNvSpPr>
+          <p:nvPr/>
+        </p:nvSpPr>
+        <p:spPr>
+          <a:xfrm>
+            <a:off x="1295402" y="2556932"/>
+            <a:ext cx="9816547" cy="3318936"/>
+          </a:xfrm>
+          <a:prstGeom prst="rect">
+            <a:avLst/>
+          </a:prstGeom>
+        </p:spPr>
+        <p:txBody>
+          <a:bodyPr>
+            <a:normAutofit fontScale="92500" lnSpcReduction="10000"/>
+          </a:bodyPr>
+          <a:lstStyle>
+            <a:lvl1pPr marL="285750" indent="-285750" algn="l" defTabSz="457200" rtl="0" eaLnBrk="1" latinLnBrk="0" hangingPunct="1">
+              <a:spcBef>
+                <a:spcPct val="20000"/>
+              </a:spcBef>
+              <a:spcAft>
+                <a:spcPts val="600"/>
+              </a:spcAft>
+              <a:buClr>
+                <a:schemeClr val="accent1"/>
+              </a:buClr>
+              <a:buSzPct val="115000"/>
+              <a:buFont typeface="Arial"/>
+              <a:buChar char="•"/>
+              <a:defRPr sz="2400" kern="1200" cap="none">
+                <a:solidFill>
+                  <a:schemeClr val="tx1">
+                    <a:lumMod val="85000"/>
+                    <a:lumOff val="15000"/>
+                  </a:schemeClr>
+                </a:solidFill>
+                <a:effectLst/>
+                <a:latin typeface="+mn-lt"/>
+                <a:ea typeface="+mn-ea"/>
+                <a:cs typeface="+mn-cs"/>
+              </a:defRPr>
+            </a:lvl1pPr>
+            <a:lvl2pPr marL="742950" indent="-285750" algn="l" defTabSz="457200" rtl="0" eaLnBrk="1" latinLnBrk="0" hangingPunct="1">
+              <a:spcBef>
+                <a:spcPct val="20000"/>
+              </a:spcBef>
+              <a:spcAft>
+                <a:spcPts val="600"/>
+              </a:spcAft>
+              <a:buClr>
+                <a:schemeClr val="accent1"/>
+              </a:buClr>
+              <a:buSzPct val="115000"/>
+              <a:buFont typeface="Arial"/>
+              <a:buChar char="•"/>
+              <a:defRPr sz="2000" kern="1200" cap="none">
+                <a:solidFill>
+                  <a:schemeClr val="tx1">
+                    <a:lumMod val="85000"/>
+                    <a:lumOff val="15000"/>
+                  </a:schemeClr>
+                </a:solidFill>
+                <a:effectLst/>
+                <a:latin typeface="+mn-lt"/>
+                <a:ea typeface="+mn-ea"/>
+                <a:cs typeface="+mn-cs"/>
+              </a:defRPr>
+            </a:lvl2pPr>
+            <a:lvl3pPr marL="1200150" indent="-285750" algn="l" defTabSz="457200" rtl="0" eaLnBrk="1" latinLnBrk="0" hangingPunct="1">
+              <a:spcBef>
+                <a:spcPct val="20000"/>
+              </a:spcBef>
+              <a:spcAft>
+                <a:spcPts val="600"/>
+              </a:spcAft>
+              <a:buClr>
+                <a:schemeClr val="accent1"/>
+              </a:buClr>
+              <a:buSzPct val="115000"/>
+              <a:buFont typeface="Arial"/>
+              <a:buChar char="•"/>
+              <a:defRPr sz="1800" kern="1200" cap="none">
+                <a:solidFill>
+                  <a:schemeClr val="tx1">
+                    <a:lumMod val="85000"/>
+                    <a:lumOff val="15000"/>
+                  </a:schemeClr>
+                </a:solidFill>
+                <a:effectLst/>
+                <a:latin typeface="+mn-lt"/>
+                <a:ea typeface="+mn-ea"/>
+                <a:cs typeface="+mn-cs"/>
+              </a:defRPr>
+            </a:lvl3pPr>
+            <a:lvl4pPr marL="1543050" indent="-171450" algn="l" defTabSz="457200" rtl="0" eaLnBrk="1" latinLnBrk="0" hangingPunct="1">
+              <a:spcBef>
+                <a:spcPct val="20000"/>
+              </a:spcBef>
+              <a:spcAft>
+                <a:spcPts val="600"/>
+              </a:spcAft>
+              <a:buClr>
+                <a:schemeClr val="accent1"/>
+              </a:buClr>
+              <a:buSzPct val="115000"/>
+              <a:buFont typeface="Arial"/>
+              <a:buChar char="•"/>
+              <a:defRPr sz="1600" kern="1200" cap="none">
+                <a:solidFill>
+                  <a:schemeClr val="tx1">
+                    <a:lumMod val="85000"/>
+                    <a:lumOff val="15000"/>
+                  </a:schemeClr>
+                </a:solidFill>
+                <a:effectLst/>
+                <a:latin typeface="+mn-lt"/>
+                <a:ea typeface="+mn-ea"/>
+                <a:cs typeface="+mn-cs"/>
+              </a:defRPr>
+            </a:lvl4pPr>
+            <a:lvl5pPr marL="2000250" indent="-171450" algn="l" defTabSz="457200" rtl="0" eaLnBrk="1" latinLnBrk="0" hangingPunct="1">
+              <a:spcBef>
+                <a:spcPct val="20000"/>
+              </a:spcBef>
+              <a:spcAft>
+                <a:spcPts val="600"/>
+              </a:spcAft>
+              <a:buClr>
+                <a:schemeClr val="accent1"/>
+              </a:buClr>
+              <a:buSzPct val="115000"/>
+              <a:buFont typeface="Arial"/>
+              <a:buChar char="•"/>
+              <a:defRPr sz="1400" kern="1200" cap="none">
+                <a:solidFill>
+                  <a:schemeClr val="tx1">
+                    <a:lumMod val="85000"/>
+                    <a:lumOff val="15000"/>
+                  </a:schemeClr>
+                </a:solidFill>
+                <a:effectLst/>
+                <a:latin typeface="+mn-lt"/>
+                <a:ea typeface="+mn-ea"/>
+                <a:cs typeface="+mn-cs"/>
+              </a:defRPr>
+            </a:lvl5pPr>
+            <a:lvl6pPr marL="2514600" indent="-228600" algn="l" defTabSz="457200" rtl="0" eaLnBrk="1" latinLnBrk="0" hangingPunct="1">
+              <a:spcBef>
+                <a:spcPct val="20000"/>
+              </a:spcBef>
+              <a:spcAft>
+                <a:spcPts val="600"/>
+              </a:spcAft>
+              <a:buClr>
+                <a:schemeClr val="accent1"/>
+              </a:buClr>
+              <a:buSzPct val="115000"/>
+              <a:buFont typeface="Arial"/>
+              <a:buChar char="•"/>
+              <a:defRPr sz="1400" kern="1200" cap="none">
+                <a:solidFill>
+                  <a:schemeClr val="tx1">
+                    <a:lumMod val="85000"/>
+                    <a:lumOff val="15000"/>
+                  </a:schemeClr>
+                </a:solidFill>
+                <a:effectLst/>
+                <a:latin typeface="+mn-lt"/>
+                <a:ea typeface="+mn-ea"/>
+                <a:cs typeface="+mn-cs"/>
+              </a:defRPr>
+            </a:lvl6pPr>
+            <a:lvl7pPr marL="2971800" indent="-228600" algn="l" defTabSz="457200" rtl="0" eaLnBrk="1" latinLnBrk="0" hangingPunct="1">
+              <a:spcBef>
+                <a:spcPct val="20000"/>
+              </a:spcBef>
+              <a:spcAft>
+                <a:spcPts val="600"/>
+              </a:spcAft>
+              <a:buClr>
+                <a:schemeClr val="accent1"/>
+              </a:buClr>
+              <a:buSzPct val="115000"/>
+              <a:buFont typeface="Arial"/>
+              <a:buChar char="•"/>
+              <a:defRPr sz="1400" kern="1200" cap="none">
+                <a:solidFill>
+                  <a:schemeClr val="tx1">
+                    <a:lumMod val="85000"/>
+                    <a:lumOff val="15000"/>
+                  </a:schemeClr>
+                </a:solidFill>
+                <a:effectLst/>
+                <a:latin typeface="+mn-lt"/>
+                <a:ea typeface="+mn-ea"/>
+                <a:cs typeface="+mn-cs"/>
+              </a:defRPr>
+            </a:lvl7pPr>
+            <a:lvl8pPr marL="3429000" indent="-228600" algn="l" defTabSz="457200" rtl="0" eaLnBrk="1" latinLnBrk="0" hangingPunct="1">
+              <a:spcBef>
+                <a:spcPct val="20000"/>
+              </a:spcBef>
+              <a:spcAft>
+                <a:spcPts val="600"/>
+              </a:spcAft>
+              <a:buClr>
+                <a:schemeClr val="accent1"/>
+              </a:buClr>
+              <a:buSzPct val="115000"/>
+              <a:buFont typeface="Arial"/>
+              <a:buChar char="•"/>
+              <a:defRPr sz="1400" kern="1200" cap="none">
+                <a:solidFill>
+                  <a:schemeClr val="tx1">
+                    <a:lumMod val="85000"/>
+                    <a:lumOff val="15000"/>
+                  </a:schemeClr>
+                </a:solidFill>
+                <a:effectLst/>
+                <a:latin typeface="+mn-lt"/>
+                <a:ea typeface="+mn-ea"/>
+                <a:cs typeface="+mn-cs"/>
+              </a:defRPr>
+            </a:lvl8pPr>
+            <a:lvl9pPr marL="3886200" indent="-228600" algn="l" defTabSz="457200" rtl="0" eaLnBrk="1" latinLnBrk="0" hangingPunct="1">
+              <a:spcBef>
+                <a:spcPct val="20000"/>
+              </a:spcBef>
+              <a:spcAft>
+                <a:spcPts val="600"/>
+              </a:spcAft>
+              <a:buClr>
+                <a:schemeClr val="accent1"/>
+              </a:buClr>
+              <a:buSzPct val="115000"/>
+              <a:buFont typeface="Arial"/>
+              <a:buChar char="•"/>
+              <a:defRPr sz="1400" kern="1200" cap="none">
+                <a:solidFill>
+                  <a:schemeClr val="tx1">
+                    <a:lumMod val="85000"/>
+                    <a:lumOff val="15000"/>
+                  </a:schemeClr>
+                </a:solidFill>
+                <a:effectLst/>
+                <a:latin typeface="+mn-lt"/>
+                <a:ea typeface="+mn-ea"/>
+                <a:cs typeface="+mn-cs"/>
+              </a:defRPr>
+            </a:lvl9pPr>
+          </a:lstStyle>
+          <a:p>
+            <a:r>
+              <a:rPr lang="fr-CH" sz="2800" dirty="0"/>
+              <a:t>Vol de données sensibles :</a:t>
+            </a:r>
+          </a:p>
+          <a:p>
+            <a:pPr lvl="1"/>
+            <a:r>
+              <a:rPr lang="fr-CH" sz="2400" dirty="0"/>
+              <a:t>Injection SQL</a:t>
+            </a:r>
+          </a:p>
+          <a:p>
+            <a:pPr lvl="1"/>
+            <a:r>
+              <a:rPr lang="fr-CH" sz="2400" dirty="0"/>
+              <a:t>Mot de passe en clair dans la base de données</a:t>
+            </a:r>
+          </a:p>
+          <a:p>
+            <a:r>
+              <a:rPr lang="fr-CH" sz="2800" dirty="0"/>
+              <a:t>Contournement d’authentification :</a:t>
+            </a:r>
+          </a:p>
+          <a:p>
+            <a:pPr lvl="1"/>
+            <a:r>
+              <a:rPr lang="fr-CH" sz="2400" dirty="0"/>
+              <a:t>Mot de passe faible</a:t>
+            </a:r>
+          </a:p>
+          <a:p>
+            <a:pPr lvl="1"/>
+            <a:r>
+              <a:rPr lang="fr-CH" sz="2400" dirty="0"/>
+              <a:t>Brute force</a:t>
+            </a:r>
+          </a:p>
+          <a:p>
+            <a:pPr lvl="1"/>
+            <a:r>
+              <a:rPr lang="fr-CH" sz="2400" dirty="0"/>
+              <a:t>Durée de session illimitée</a:t>
+            </a:r>
+          </a:p>
+        </p:txBody>
+      </p:sp>
+    </p:spTree>
+    <p:extLst>
+      <p:ext uri="{BB962C8B-B14F-4D97-AF65-F5344CB8AC3E}">
+        <p14:creationId xmlns:p14="http://schemas.microsoft.com/office/powerpoint/2010/main" val="38202335"/>
+      </p:ext>
+    </p:extLst>
+  </p:cSld>
+  <p:clrMapOvr>
+    <a:masterClrMapping/>
+  </p:clrMapOvr>
+  <p:transition spd="slow">
+    <p:push dir="u"/>
+  </p:transition>
+</p:sld>
+</file>
+
+<file path=ppt/slides/slide5.xml><?xml version="1.0" encoding="utf-8"?>
+<p:sld xmlns:a="http://schemas.openxmlformats.org/drawingml/2006/main" xmlns:r="http://schemas.openxmlformats.org/officeDocument/2006/relationships" xmlns:p="http://schemas.openxmlformats.org/presentationml/2006/main">
+  <p:cSld>
+    <p:spTree>
+      <p:nvGrpSpPr>
+        <p:cNvPr id="1" name=""/>
+        <p:cNvGrpSpPr/>
+        <p:nvPr/>
+      </p:nvGrpSpPr>
+      <p:grpSpPr>
+        <a:xfrm>
+          <a:off x="0" y="0"/>
+          <a:ext cx="0" cy="0"/>
+          <a:chOff x="0" y="0"/>
+          <a:chExt cx="0" cy="0"/>
+        </a:xfrm>
+      </p:grpSpPr>
+      <p:sp>
+        <p:nvSpPr>
+          <p:cNvPr id="2" name="Titre 1">
+            <a:extLst>
+              <a:ext uri="{FF2B5EF4-FFF2-40B4-BE49-F238E27FC236}">
                 <a16:creationId xmlns:a16="http://schemas.microsoft.com/office/drawing/2014/main" id="{71636194-3E43-457A-893C-421DC8CBB2B3}"/>
               </a:ext>
             </a:extLst>
@@ -6132,7 +6508,7 @@
 </p:sld>
 </file>
 
-<file path=ppt/slides/slide5.xml><?xml version="1.0" encoding="utf-8"?>
+<file path=ppt/slides/slide6.xml><?xml version="1.0" encoding="utf-8"?>
 <p:sld xmlns:a="http://schemas.openxmlformats.org/drawingml/2006/main" xmlns:r="http://schemas.openxmlformats.org/officeDocument/2006/relationships" xmlns:p="http://schemas.openxmlformats.org/presentationml/2006/main">
   <p:cSld>
     <p:spTree>
@@ -6193,10 +6569,15 @@
             <p:ph idx="1"/>
           </p:nvPr>
         </p:nvSpPr>
-        <p:spPr/>
+        <p:spPr>
+          <a:xfrm>
+            <a:off x="1295401" y="2556932"/>
+            <a:ext cx="9488556" cy="3318936"/>
+          </a:xfrm>
+        </p:spPr>
         <p:txBody>
           <a:bodyPr>
-            <a:normAutofit fontScale="92500" lnSpcReduction="20000"/>
+            <a:normAutofit fontScale="85000" lnSpcReduction="10000"/>
           </a:bodyPr>
           <a:lstStyle/>
           <a:p>
@@ -6207,7 +6588,7 @@
             </a:pPr>
             <a:r>
               <a:rPr lang="fr-CH" sz="2800" dirty="0"/>
-              <a:t>Correction de l’injection SQL</a:t>
+              <a:t>Sécuriser une application web est tout autant difficile que le développement</a:t>
             </a:r>
           </a:p>
           <a:p>
@@ -6217,12 +6598,8 @@
               </a:lnSpc>
             </a:pPr>
             <a:r>
-              <a:rPr lang="fr-CH" sz="2800" dirty="0" err="1"/>
-              <a:t>Hashs</a:t>
-            </a:r>
-            <a:r>
               <a:rPr lang="fr-CH" sz="2800" dirty="0"/>
-              <a:t> des mots de passe stockés dans la base de donnée avec sel</a:t>
+              <a:t>Souvent, certaines failles ne sont remarquées qu’après la conception du site </a:t>
             </a:r>
           </a:p>
           <a:p>
@@ -6233,18 +6610,7 @@
             </a:pPr>
             <a:r>
               <a:rPr lang="fr-CH" sz="2800" dirty="0"/>
-              <a:t>Critère des mots de passe renforcé</a:t>
-            </a:r>
-          </a:p>
-          <a:p>
-            <a:pPr>
-              <a:lnSpc>
-                <a:spcPct val="150000"/>
-              </a:lnSpc>
-            </a:pPr>
-            <a:r>
-              <a:rPr lang="fr-CH" sz="2800" dirty="0"/>
-              <a:t>Utilisation de session pour PHP avec un temps d’expiration</a:t>
+              <a:t>On remarque également l’importance de mettre à jour l’infrastructure</a:t>
             </a:r>
           </a:p>
           <a:p>
